--- a/업무흐름도_딥러닝.pptx
+++ b/업무흐름도_딥러닝.pptx
@@ -1,8 +1,8 @@
 
 <file path=ppt/presentation.xml><?xml version="1.0" encoding="utf-8"?>
-<p:presentation xmlns:a="http://schemas.openxmlformats.org/drawingml/2006/main" xmlns:r="http://schemas.openxmlformats.org/officeDocument/2006/relationships" xmlns:p="http://schemas.openxmlformats.org/presentationml/2006/main" saveSubsetFonts="1">
+<p:presentation xmlns:r="http://schemas.openxmlformats.org/officeDocument/2006/relationships" xmlns:c="http://schemas.openxmlformats.org/drawingml/2006/chart" xmlns:a="http://schemas.openxmlformats.org/drawingml/2006/main" xmlns:dgm="http://schemas.openxmlformats.org/drawingml/2006/diagram" xmlns:dsp="http://schemas.microsoft.com/office/drawing/2008/diagram" xmlns:p="http://schemas.openxmlformats.org/presentationml/2006/main">
   <p:sldMasterIdLst>
-    <p:sldMasterId id="2147483660" r:id="rId1"/>
+    <p:sldMasterId id="2147483672" r:id="rId1"/>
   </p:sldMasterIdLst>
   <p:sldIdLst>
     <p:sldId id="256" r:id="rId2"/>
@@ -104,11 +104,6 @@
       </a:defRPr>
     </a:lvl9pPr>
   </p:defaultTextStyle>
-  <p:extLst>
-    <p:ext uri="{EFAFB233-063F-42B5-8137-9DF3F51BA10A}">
-      <p15:sldGuideLst xmlns:p15="http://schemas.microsoft.com/office/powerpoint/2012/main"/>
-    </p:ext>
-  </p:extLst>
 </p:presentation>
 </file>
 
@@ -2955,7 +2950,7 @@
 </file>
 
 <file path=ppt/slides/slide1.xml><?xml version="1.0" encoding="utf-8"?>
-<p:sld xmlns:a="http://schemas.openxmlformats.org/drawingml/2006/main" xmlns:r="http://schemas.openxmlformats.org/officeDocument/2006/relationships" xmlns:p="http://schemas.openxmlformats.org/presentationml/2006/main">
+<p:sld xmlns:r="http://schemas.openxmlformats.org/officeDocument/2006/relationships" xmlns:c="http://schemas.openxmlformats.org/drawingml/2006/chart" xmlns:a="http://schemas.openxmlformats.org/drawingml/2006/main" xmlns:dgm="http://schemas.openxmlformats.org/drawingml/2006/diagram" xmlns:dsp="http://schemas.microsoft.com/office/drawing/2008/diagram" xmlns:p="http://schemas.openxmlformats.org/presentationml/2006/main">
   <p:cSld>
     <p:spTree>
       <p:nvGrpSpPr>
@@ -2973,27 +2968,15 @@
       </p:grpSpPr>
       <p:graphicFrame>
         <p:nvGraphicFramePr>
-          <p:cNvPr id="4" name="표 3">
-            <a:extLst>
-              <a:ext uri="{FF2B5EF4-FFF2-40B4-BE49-F238E27FC236}">
-                <a16:creationId xmlns:a16="http://schemas.microsoft.com/office/drawing/2014/main" id="{EDF5DBCC-A78E-4627-694B-61638F0C78FD}"/>
-              </a:ext>
-            </a:extLst>
-          </p:cNvPr>
+          <p:cNvPr id="4" name="표 3"/>
           <p:cNvGraphicFramePr>
             <a:graphicFrameLocks noGrp="1"/>
           </p:cNvGraphicFramePr>
-          <p:nvPr>
-            <p:extLst>
-              <p:ext uri="{D42A27DB-BD31-4B8C-83A1-F6EECF244321}">
-                <p14:modId xmlns:p14="http://schemas.microsoft.com/office/powerpoint/2010/main" val="1806189324"/>
-              </p:ext>
-            </p:extLst>
-          </p:nvPr>
+          <p:nvPr/>
         </p:nvGraphicFramePr>
         <p:xfrm>
           <a:off x="637953" y="1227666"/>
-          <a:ext cx="8803758" cy="5045544"/>
+          <a:ext cx="8803758" cy="5119765"/>
         </p:xfrm>
         <a:graphic>
           <a:graphicData uri="http://schemas.openxmlformats.org/drawingml/2006/table">
@@ -3002,152 +2985,120 @@
                 <a:tableStyleId>{5940675A-B579-460E-94D1-54222C63F5DA}</a:tableStyleId>
               </a:tblPr>
               <a:tblGrid>
-                <a:gridCol w="1467293">
-                  <a:extLst>
-                    <a:ext uri="{9D8B030D-6E8A-4147-A177-3AD203B41FA5}">
-                      <a16:colId xmlns:a16="http://schemas.microsoft.com/office/drawing/2014/main" val="536420841"/>
-                    </a:ext>
-                  </a:extLst>
-                </a:gridCol>
-                <a:gridCol w="1467293">
-                  <a:extLst>
-                    <a:ext uri="{9D8B030D-6E8A-4147-A177-3AD203B41FA5}">
-                      <a16:colId xmlns:a16="http://schemas.microsoft.com/office/drawing/2014/main" val="2605281980"/>
-                    </a:ext>
-                  </a:extLst>
-                </a:gridCol>
-                <a:gridCol w="1467293">
-                  <a:extLst>
-                    <a:ext uri="{9D8B030D-6E8A-4147-A177-3AD203B41FA5}">
-                      <a16:colId xmlns:a16="http://schemas.microsoft.com/office/drawing/2014/main" val="3818029131"/>
-                    </a:ext>
-                  </a:extLst>
-                </a:gridCol>
-                <a:gridCol w="1467293">
-                  <a:extLst>
-                    <a:ext uri="{9D8B030D-6E8A-4147-A177-3AD203B41FA5}">
-                      <a16:colId xmlns:a16="http://schemas.microsoft.com/office/drawing/2014/main" val="498356465"/>
-                    </a:ext>
-                  </a:extLst>
-                </a:gridCol>
-                <a:gridCol w="1467293">
-                  <a:extLst>
-                    <a:ext uri="{9D8B030D-6E8A-4147-A177-3AD203B41FA5}">
-                      <a16:colId xmlns:a16="http://schemas.microsoft.com/office/drawing/2014/main" val="1752365511"/>
-                    </a:ext>
-                  </a:extLst>
-                </a:gridCol>
-                <a:gridCol w="1467293">
-                  <a:extLst>
-                    <a:ext uri="{9D8B030D-6E8A-4147-A177-3AD203B41FA5}">
-                      <a16:colId xmlns:a16="http://schemas.microsoft.com/office/drawing/2014/main" val="3121609275"/>
-                    </a:ext>
-                  </a:extLst>
-                </a:gridCol>
+                <a:gridCol w="1467293"/>
+                <a:gridCol w="1467293"/>
+                <a:gridCol w="1467293"/>
+                <a:gridCol w="1467293"/>
+                <a:gridCol w="1467293"/>
+                <a:gridCol w="1467293"/>
               </a:tblGrid>
               <a:tr h="370840">
                 <a:tc>
                   <a:txBody>
-                    <a:bodyPr/>
-                    <a:lstStyle/>
+                    <a:bodyPr vert="horz" lIns="36000" tIns="36000" rIns="36000" bIns="36000" anchor="t" anchorCtr="0"/>
                     <a:p>
-                      <a:pPr algn="ctr" latinLnBrk="1"/>
+                      <a:pPr algn="ctr" latinLnBrk="1">
+                        <a:defRPr/>
+                      </a:pPr>
                       <a:r>
-                        <a:rPr lang="en-US" altLang="ko-KR" sz="1400" dirty="0"/>
+                        <a:rPr lang="en-US" altLang="ko-KR" sz="1400"/>
                         <a:t>Sub-Process ID</a:t>
                       </a:r>
-                      <a:endParaRPr lang="ko-KR" altLang="en-US" sz="1400" dirty="0"/>
+                      <a:endParaRPr lang="ko-KR" altLang="en-US" sz="1400"/>
                     </a:p>
                   </a:txBody>
                   <a:tcPr marL="36000" marR="36000" marT="36000" marB="36000"/>
                 </a:tc>
                 <a:tc>
                   <a:txBody>
-                    <a:bodyPr/>
-                    <a:lstStyle/>
+                    <a:bodyPr vert="horz" lIns="36000" tIns="36000" rIns="36000" bIns="36000" anchor="t" anchorCtr="0"/>
                     <a:p>
-                      <a:pPr algn="ctr" latinLnBrk="1"/>
+                      <a:pPr algn="ctr" latinLnBrk="1">
+                        <a:defRPr/>
+                      </a:pPr>
                       <a:r>
-                        <a:rPr lang="en-US" altLang="ko-KR" sz="1400" dirty="0"/>
+                        <a:rPr lang="en-US" altLang="ko-KR" sz="1400"/>
                         <a:t>PJT-004</a:t>
                       </a:r>
-                      <a:endParaRPr lang="ko-KR" altLang="en-US" sz="1400" dirty="0"/>
+                      <a:endParaRPr lang="ko-KR" altLang="en-US" sz="1400"/>
                     </a:p>
                   </a:txBody>
                   <a:tcPr marL="36000" marR="36000" marT="36000" marB="36000"/>
                 </a:tc>
                 <a:tc>
                   <a:txBody>
-                    <a:bodyPr/>
-                    <a:lstStyle/>
+                    <a:bodyPr vert="horz" lIns="36000" tIns="36000" rIns="36000" bIns="36000" anchor="t" anchorCtr="0"/>
                     <a:p>
-                      <a:pPr algn="ctr" latinLnBrk="1"/>
+                      <a:pPr algn="ctr" latinLnBrk="1">
+                        <a:defRPr/>
+                      </a:pPr>
                       <a:r>
-                        <a:rPr lang="en-US" altLang="ko-KR" sz="1400" dirty="0"/>
+                        <a:rPr lang="en-US" altLang="ko-KR" sz="1400"/>
                         <a:t>Sub-Process Name</a:t>
                       </a:r>
-                      <a:endParaRPr lang="ko-KR" altLang="en-US" sz="1400" dirty="0"/>
+                      <a:endParaRPr lang="ko-KR" altLang="en-US" sz="1400"/>
                     </a:p>
                   </a:txBody>
                   <a:tcPr marL="36000" marR="36000" marT="36000" marB="36000"/>
                 </a:tc>
                 <a:tc>
                   <a:txBody>
-                    <a:bodyPr/>
-                    <a:lstStyle/>
+                    <a:bodyPr vert="horz" lIns="36000" tIns="36000" rIns="36000" bIns="36000" anchor="t" anchorCtr="0"/>
                     <a:p>
-                      <a:pPr algn="ctr" latinLnBrk="1"/>
+                      <a:pPr algn="ctr" latinLnBrk="1">
+                        <a:defRPr/>
+                      </a:pPr>
                       <a:r>
-                        <a:rPr lang="ko-KR" altLang="en-US" sz="1400" dirty="0" err="1"/>
+                        <a:rPr lang="ko-KR" altLang="en-US" sz="1400"/>
                         <a:t>딥러닝처리</a:t>
                       </a:r>
-                      <a:endParaRPr lang="ko-KR" altLang="en-US" sz="1400" dirty="0"/>
+                      <a:endParaRPr lang="ko-KR" altLang="en-US" sz="1400"/>
                     </a:p>
                   </a:txBody>
                   <a:tcPr marL="36000" marR="36000" marT="36000" marB="36000"/>
                 </a:tc>
                 <a:tc>
                   <a:txBody>
-                    <a:bodyPr/>
-                    <a:lstStyle/>
+                    <a:bodyPr vert="horz" lIns="36000" tIns="36000" rIns="36000" bIns="36000" anchor="t" anchorCtr="0"/>
                     <a:p>
-                      <a:pPr algn="ctr" latinLnBrk="1"/>
+                      <a:pPr algn="ctr" latinLnBrk="1">
+                        <a:defRPr/>
+                      </a:pPr>
                       <a:r>
-                        <a:rPr lang="ko-KR" altLang="en-US" sz="1400" dirty="0"/>
+                        <a:rPr lang="ko-KR" altLang="en-US" sz="1400"/>
                         <a:t>정의</a:t>
                       </a:r>
+                      <a:endParaRPr lang="ko-KR" altLang="en-US" sz="1400"/>
                     </a:p>
                   </a:txBody>
                   <a:tcPr marL="36000" marR="36000" marT="36000" marB="36000"/>
                 </a:tc>
                 <a:tc>
                   <a:txBody>
-                    <a:bodyPr/>
-                    <a:lstStyle/>
+                    <a:bodyPr vert="horz" lIns="36000" tIns="36000" rIns="36000" bIns="36000" anchor="t" anchorCtr="0"/>
                     <a:p>
-                      <a:pPr algn="ctr" latinLnBrk="1"/>
-                      <a:endParaRPr lang="ko-KR" altLang="en-US" sz="1400" dirty="0"/>
+                      <a:pPr algn="ctr" latinLnBrk="1">
+                        <a:defRPr/>
+                      </a:pPr>
+                      <a:endParaRPr lang="ko-KR" altLang="en-US" sz="1400"/>
                     </a:p>
                   </a:txBody>
                   <a:tcPr marL="36000" marR="36000" marT="36000" marB="36000"/>
                 </a:tc>
-                <a:extLst>
-                  <a:ext uri="{0D108BD9-81ED-4DB2-BD59-A6C34878D82A}">
-                    <a16:rowId xmlns:a16="http://schemas.microsoft.com/office/drawing/2014/main" val="3913417861"/>
-                  </a:ext>
-                </a:extLst>
               </a:tr>
-              <a:tr h="2337352">
+              <a:tr h="1966248">
                 <a:tc>
                   <a:txBody>
-                    <a:bodyPr/>
-                    <a:lstStyle/>
+                    <a:bodyPr vert="horz" lIns="36000" tIns="36000" rIns="36000" bIns="36000" anchor="ctr" anchorCtr="0"/>
                     <a:p>
-                      <a:pPr algn="ctr" latinLnBrk="1"/>
+                      <a:pPr algn="ctr" latinLnBrk="1">
+                        <a:defRPr/>
+                      </a:pPr>
                       <a:r>
-                        <a:rPr lang="ko-KR" altLang="en-US" sz="1400" dirty="0"/>
+                        <a:rPr lang="ko-KR" altLang="en-US" sz="1400"/>
                         <a:t>사용자입력</a:t>
                       </a:r>
+                      <a:endParaRPr lang="ko-KR" altLang="en-US" sz="1400"/>
                     </a:p>
                   </a:txBody>
                   <a:tcPr marL="36000" marR="36000" marT="36000" marB="36000" anchor="ctr">
@@ -3157,18 +3108,19 @@
                       </a:solidFill>
                       <a:prstDash val="sysDot"/>
                       <a:round/>
-                      <a:headEnd type="none" w="med" len="med"/>
-                      <a:tailEnd type="none" w="med" len="med"/>
+                      <a:headEnd w="med" len="med"/>
+                      <a:tailEnd w="med" len="med"/>
                     </a:lnB>
                   </a:tcPr>
                 </a:tc>
                 <a:tc gridSpan="5">
                   <a:txBody>
-                    <a:bodyPr/>
-                    <a:lstStyle/>
+                    <a:bodyPr vert="horz" lIns="36000" tIns="36000" rIns="36000" bIns="36000" anchor="t" anchorCtr="0"/>
                     <a:p>
-                      <a:pPr latinLnBrk="1"/>
-                      <a:endParaRPr lang="ko-KR" altLang="en-US" dirty="0"/>
+                      <a:pPr latinLnBrk="1">
+                        <a:defRPr/>
+                      </a:pPr>
+                      <a:endParaRPr lang="ko-KR" altLang="en-US"/>
                     </a:p>
                   </a:txBody>
                   <a:tcPr marL="36000" marR="36000" marT="36000" marB="36000">
@@ -3178,18 +3130,19 @@
                       </a:solidFill>
                       <a:prstDash val="sysDot"/>
                       <a:round/>
-                      <a:headEnd type="none" w="med" len="med"/>
-                      <a:tailEnd type="none" w="med" len="med"/>
+                      <a:headEnd w="med" len="med"/>
+                      <a:tailEnd w="med" len="med"/>
                     </a:lnB>
                   </a:tcPr>
                 </a:tc>
                 <a:tc hMerge="1">
                   <a:txBody>
                     <a:bodyPr/>
-                    <a:lstStyle/>
                     <a:p>
-                      <a:pPr latinLnBrk="1"/>
-                      <a:endParaRPr lang="ko-KR" altLang="en-US" dirty="0"/>
+                      <a:pPr latinLnBrk="1">
+                        <a:defRPr/>
+                      </a:pPr>
+                      <a:endParaRPr lang="ko-KR" altLang="en-US"/>
                     </a:p>
                   </a:txBody>
                   <a:tcPr marL="36000" marR="36000" marT="36000" marB="36000"/>
@@ -3197,10 +3150,11 @@
                 <a:tc hMerge="1">
                   <a:txBody>
                     <a:bodyPr/>
-                    <a:lstStyle/>
                     <a:p>
-                      <a:pPr latinLnBrk="1"/>
-                      <a:endParaRPr lang="ko-KR" altLang="en-US" dirty="0"/>
+                      <a:pPr latinLnBrk="1">
+                        <a:defRPr/>
+                      </a:pPr>
+                      <a:endParaRPr lang="ko-KR" altLang="en-US"/>
                     </a:p>
                   </a:txBody>
                   <a:tcPr marL="36000" marR="36000" marT="36000" marB="36000"/>
@@ -3208,10 +3162,11 @@
                 <a:tc hMerge="1">
                   <a:txBody>
                     <a:bodyPr/>
-                    <a:lstStyle/>
                     <a:p>
-                      <a:pPr latinLnBrk="1"/>
-                      <a:endParaRPr lang="ko-KR" altLang="en-US" dirty="0"/>
+                      <a:pPr latinLnBrk="1">
+                        <a:defRPr/>
+                      </a:pPr>
+                      <a:endParaRPr lang="ko-KR" altLang="en-US"/>
                     </a:p>
                   </a:txBody>
                   <a:tcPr marL="36000" marR="36000" marT="36000" marB="36000"/>
@@ -3219,31 +3174,29 @@
                 <a:tc hMerge="1">
                   <a:txBody>
                     <a:bodyPr/>
-                    <a:lstStyle/>
                     <a:p>
-                      <a:pPr latinLnBrk="1"/>
-                      <a:endParaRPr lang="ko-KR" altLang="en-US" dirty="0"/>
+                      <a:pPr latinLnBrk="1">
+                        <a:defRPr/>
+                      </a:pPr>
+                      <a:endParaRPr lang="ko-KR" altLang="en-US"/>
                     </a:p>
                   </a:txBody>
                   <a:tcPr marL="36000" marR="36000" marT="36000" marB="36000"/>
                 </a:tc>
-                <a:extLst>
-                  <a:ext uri="{0D108BD9-81ED-4DB2-BD59-A6C34878D82A}">
-                    <a16:rowId xmlns:a16="http://schemas.microsoft.com/office/drawing/2014/main" val="1454054464"/>
-                  </a:ext>
-                </a:extLst>
               </a:tr>
-              <a:tr h="2337352">
+              <a:tr h="2782677">
                 <a:tc>
                   <a:txBody>
-                    <a:bodyPr/>
-                    <a:lstStyle/>
+                    <a:bodyPr vert="horz" lIns="36000" tIns="36000" rIns="36000" bIns="36000" anchor="ctr" anchorCtr="0"/>
                     <a:p>
-                      <a:pPr algn="ctr" latinLnBrk="1"/>
+                      <a:pPr algn="ctr" latinLnBrk="1">
+                        <a:defRPr/>
+                      </a:pPr>
                       <a:r>
-                        <a:rPr lang="ko-KR" altLang="en-US" sz="1400" dirty="0"/>
+                        <a:rPr lang="ko-KR" altLang="en-US" sz="1400"/>
                         <a:t>내부프로세스</a:t>
                       </a:r>
+                      <a:endParaRPr lang="ko-KR" altLang="en-US" sz="1400"/>
                     </a:p>
                   </a:txBody>
                   <a:tcPr marL="36000" marR="36000" marT="36000" marB="36000" anchor="ctr">
@@ -3253,18 +3206,19 @@
                       </a:solidFill>
                       <a:prstDash val="sysDot"/>
                       <a:round/>
-                      <a:headEnd type="none" w="med" len="med"/>
-                      <a:tailEnd type="none" w="med" len="med"/>
+                      <a:headEnd w="med" len="med"/>
+                      <a:tailEnd w="med" len="med"/>
                     </a:lnT>
                   </a:tcPr>
                 </a:tc>
                 <a:tc gridSpan="5">
                   <a:txBody>
-                    <a:bodyPr/>
-                    <a:lstStyle/>
+                    <a:bodyPr vert="horz" lIns="36000" tIns="36000" rIns="36000" bIns="36000" anchor="t" anchorCtr="0"/>
                     <a:p>
-                      <a:pPr latinLnBrk="1"/>
-                      <a:endParaRPr lang="ko-KR" altLang="en-US" dirty="0"/>
+                      <a:pPr latinLnBrk="1">
+                        <a:defRPr/>
+                      </a:pPr>
+                      <a:endParaRPr lang="ko-KR" altLang="en-US"/>
                     </a:p>
                   </a:txBody>
                   <a:tcPr marL="36000" marR="36000" marT="36000" marB="36000">
@@ -3274,18 +3228,19 @@
                       </a:solidFill>
                       <a:prstDash val="sysDot"/>
                       <a:round/>
-                      <a:headEnd type="none" w="med" len="med"/>
-                      <a:tailEnd type="none" w="med" len="med"/>
+                      <a:headEnd w="med" len="med"/>
+                      <a:tailEnd w="med" len="med"/>
                     </a:lnT>
                   </a:tcPr>
                 </a:tc>
                 <a:tc hMerge="1">
                   <a:txBody>
                     <a:bodyPr/>
-                    <a:lstStyle/>
                     <a:p>
-                      <a:pPr latinLnBrk="1"/>
-                      <a:endParaRPr lang="ko-KR" altLang="en-US" dirty="0"/>
+                      <a:pPr latinLnBrk="1">
+                        <a:defRPr/>
+                      </a:pPr>
+                      <a:endParaRPr lang="ko-KR" altLang="en-US"/>
                     </a:p>
                   </a:txBody>
                   <a:tcPr marL="36000" marR="36000" marT="36000" marB="36000"/>
@@ -3293,10 +3248,11 @@
                 <a:tc hMerge="1">
                   <a:txBody>
                     <a:bodyPr/>
-                    <a:lstStyle/>
                     <a:p>
-                      <a:pPr latinLnBrk="1"/>
-                      <a:endParaRPr lang="ko-KR" altLang="en-US" dirty="0"/>
+                      <a:pPr latinLnBrk="1">
+                        <a:defRPr/>
+                      </a:pPr>
+                      <a:endParaRPr lang="ko-KR" altLang="en-US"/>
                     </a:p>
                   </a:txBody>
                   <a:tcPr marL="36000" marR="36000" marT="36000" marB="36000"/>
@@ -3304,10 +3260,11 @@
                 <a:tc hMerge="1">
                   <a:txBody>
                     <a:bodyPr/>
-                    <a:lstStyle/>
                     <a:p>
-                      <a:pPr latinLnBrk="1"/>
-                      <a:endParaRPr lang="ko-KR" altLang="en-US" dirty="0"/>
+                      <a:pPr latinLnBrk="1">
+                        <a:defRPr/>
+                      </a:pPr>
+                      <a:endParaRPr lang="ko-KR" altLang="en-US"/>
                     </a:p>
                   </a:txBody>
                   <a:tcPr marL="36000" marR="36000" marT="36000" marB="36000"/>
@@ -3315,19 +3272,15 @@
                 <a:tc hMerge="1">
                   <a:txBody>
                     <a:bodyPr/>
-                    <a:lstStyle/>
                     <a:p>
-                      <a:pPr latinLnBrk="1"/>
-                      <a:endParaRPr lang="ko-KR" altLang="en-US" dirty="0"/>
+                      <a:pPr latinLnBrk="1">
+                        <a:defRPr/>
+                      </a:pPr>
+                      <a:endParaRPr lang="ko-KR" altLang="en-US"/>
                     </a:p>
                   </a:txBody>
                   <a:tcPr marL="36000" marR="36000" marT="36000" marB="36000"/>
                 </a:tc>
-                <a:extLst>
-                  <a:ext uri="{0D108BD9-81ED-4DB2-BD59-A6C34878D82A}">
-                    <a16:rowId xmlns:a16="http://schemas.microsoft.com/office/drawing/2014/main" val="155762219"/>
-                  </a:ext>
-                </a:extLst>
               </a:tr>
             </a:tbl>
           </a:graphicData>
@@ -3335,19 +3288,13 @@
       </p:graphicFrame>
       <p:pic>
         <p:nvPicPr>
-          <p:cNvPr id="6" name="그림 5">
-            <a:extLst>
-              <a:ext uri="{FF2B5EF4-FFF2-40B4-BE49-F238E27FC236}">
-                <a16:creationId xmlns:a16="http://schemas.microsoft.com/office/drawing/2014/main" id="{0DCFDE87-8344-D739-55F9-140572D458A0}"/>
-              </a:ext>
-            </a:extLst>
-          </p:cNvPr>
+          <p:cNvPr id="6" name="그림 5"/>
           <p:cNvPicPr>
             <a:picLocks noChangeAspect="1"/>
           </p:cNvPicPr>
           <p:nvPr/>
         </p:nvPicPr>
-        <p:blipFill>
+        <p:blipFill rotWithShape="1">
           <a:blip r:embed="rId2"/>
           <a:stretch>
             <a:fillRect/>
@@ -3355,8 +3302,8 @@
         </p:blipFill>
         <p:spPr>
           <a:xfrm>
-            <a:off x="4263657" y="2357439"/>
-            <a:ext cx="2371061" cy="3866035"/>
+            <a:off x="3584591" y="1674710"/>
+            <a:ext cx="2848892" cy="4645142"/>
           </a:xfrm>
           <a:prstGeom prst="rect">
             <a:avLst/>
@@ -3364,57 +3311,60 @@
         </p:spPr>
       </p:pic>
     </p:spTree>
-    <p:extLst>
-      <p:ext uri="{BB962C8B-B14F-4D97-AF65-F5344CB8AC3E}">
-        <p14:creationId xmlns:p14="http://schemas.microsoft.com/office/powerpoint/2010/main" val="3218081836"/>
-      </p:ext>
-    </p:extLst>
   </p:cSld>
   <p:clrMapOvr>
     <a:masterClrMapping/>
   </p:clrMapOvr>
+  <mc:AlternateContent xmlns:mc="http://schemas.openxmlformats.org/markup-compatibility/2006">
+    <mc:Choice xmlns:p14="http://schemas.microsoft.com/office/powerpoint/2010/main" Requires="p14">
+      <p:transition xmlns:mc="http://schemas.openxmlformats.org/markup-compatibility/2006" xmlns:p14="http://schemas.microsoft.com/office/powerpoint/2010/main" mc:Ignorable="p14" p14:dur="500"/>
+    </mc:Choice>
+    <mc:Fallback>
+      <p:transition/>
+    </mc:Fallback>
+  </mc:AlternateContent>
 </p:sld>
 </file>
 
 <file path=ppt/theme/theme1.xml><?xml version="1.0" encoding="utf-8"?>
-<a:theme xmlns:a="http://schemas.openxmlformats.org/drawingml/2006/main" name="Office 테마">
+<a:theme xmlns:r="http://schemas.openxmlformats.org/officeDocument/2006/relationships" xmlns:c="http://schemas.openxmlformats.org/drawingml/2006/chart" xmlns:dgm="http://schemas.openxmlformats.org/drawingml/2006/diagram" xmlns:dsp="http://schemas.microsoft.com/office/drawing/2008/diagram" xmlns:a="http://schemas.openxmlformats.org/drawingml/2006/main" xmlns:pic="http://schemas.openxmlformats.org/drawingml/2006/picture" xmlns:wp="http://schemas.openxmlformats.org/drawingml/2006/wordprocessingDrawing" xmlns:xdr="http://schemas.openxmlformats.org/drawingml/2006/spreadsheetDrawing" xmlns:lc="http://schemas.openxmlformats.org/drawingml/2006/lockedCanvas" xmlns:p="http://schemas.openxmlformats.org/presentationml/2006/main" name="Office 테마">
   <a:themeElements>
     <a:clrScheme name="Office 테마">
       <a:dk1>
         <a:sysClr val="windowText" lastClr="000000"/>
       </a:dk1>
       <a:lt1>
-        <a:sysClr val="window" lastClr="FFFFFF"/>
+        <a:sysClr val="window" lastClr="ffffff"/>
       </a:lt1>
       <a:dk2>
-        <a:srgbClr val="44546A"/>
+        <a:srgbClr val="44546a"/>
       </a:dk2>
       <a:lt2>
-        <a:srgbClr val="E7E6E6"/>
+        <a:srgbClr val="e7e6e6"/>
       </a:lt2>
       <a:accent1>
-        <a:srgbClr val="4472C4"/>
+        <a:srgbClr val="4472c4"/>
       </a:accent1>
       <a:accent2>
-        <a:srgbClr val="ED7D31"/>
+        <a:srgbClr val="ed7d31"/>
       </a:accent2>
       <a:accent3>
-        <a:srgbClr val="A5A5A5"/>
+        <a:srgbClr val="a5a5a5"/>
       </a:accent3>
       <a:accent4>
-        <a:srgbClr val="FFC000"/>
+        <a:srgbClr val="ffc000"/>
       </a:accent4>
       <a:accent5>
-        <a:srgbClr val="5B9BD5"/>
+        <a:srgbClr val="5b9bd5"/>
       </a:accent5>
       <a:accent6>
-        <a:srgbClr val="70AD47"/>
+        <a:srgbClr val="70ad47"/>
       </a:accent6>
       <a:hlink>
-        <a:srgbClr val="0563C1"/>
+        <a:srgbClr val="0563c1"/>
       </a:hlink>
       <a:folHlink>
-        <a:srgbClr val="954F72"/>
+        <a:srgbClr val="954f72"/>
       </a:folHlink>
     </a:clrScheme>
     <a:fontScheme name="Office 테마">
@@ -3422,7 +3372,7 @@
         <a:latin typeface="Calibri Light" panose="020F0302020204030204"/>
         <a:ea typeface=""/>
         <a:cs typeface=""/>
-        <a:font script="Jpan" typeface="游ゴシック Light"/>
+        <a:font script="Jpan" typeface="Yu Gothic Light"/>
         <a:font script="Hang" typeface="맑은 고딕"/>
         <a:font script="Hans" typeface="等线 Light"/>
         <a:font script="Hant" typeface="新細明體"/>
@@ -3457,7 +3407,7 @@
         <a:latin typeface="Calibri" panose="020F0502020204030204"/>
         <a:ea typeface=""/>
         <a:cs typeface=""/>
-        <a:font script="Jpan" typeface="游ゴシック"/>
+        <a:font script="Jpan" typeface="Yu Gothic"/>
         <a:font script="Hang" typeface="맑은 고딕"/>
         <a:font script="Hans" typeface="等线"/>
         <a:font script="Hant" typeface="新細明體"/>
@@ -3553,21 +3503,21 @@
             <a:schemeClr val="phClr"/>
           </a:solidFill>
           <a:prstDash val="solid"/>
-          <a:miter lim="800000"/>
+          <a:miter/>
         </a:ln>
         <a:ln w="12700" cap="flat" cmpd="sng" algn="ctr">
           <a:solidFill>
             <a:schemeClr val="phClr"/>
           </a:solidFill>
           <a:prstDash val="solid"/>
-          <a:miter lim="800000"/>
+          <a:miter/>
         </a:ln>
         <a:ln w="19050" cap="flat" cmpd="sng" algn="ctr">
           <a:solidFill>
             <a:schemeClr val="phClr"/>
           </a:solidFill>
           <a:prstDash val="solid"/>
-          <a:miter lim="800000"/>
+          <a:miter/>
         </a:ln>
       </a:lnStyleLst>
       <a:effectStyleLst>
@@ -3627,12 +3577,5 @@
       </a:bgFillStyleLst>
     </a:fmtScheme>
   </a:themeElements>
-  <a:objectDefaults/>
-  <a:extraClrSchemeLst/>
-  <a:extLst>
-    <a:ext uri="{05A4C25C-085E-4340-85A3-A5531E510DB2}">
-      <thm15:themeFamily xmlns:thm15="http://schemas.microsoft.com/office/thememl/2012/main" name="Office 2013 - 2022 Theme" id="{62F939B6-93AF-4DB8-9C6B-D6C7DFDC589F}" vid="{4A3C46E8-61CC-4603-A589-7422A47A8E4A}"/>
-    </a:ext>
-  </a:extLst>
 </a:theme>
 </file>